--- a/progressreport (3) (1).pptx
+++ b/progressreport (3) (1).pptx
@@ -319,6 +319,11 @@
       </a:defRPr>
     </a:lvl9pPr>
   </p:defaultTextStyle>
+  <p:extLst>
+    <p:ext uri="{EFAFB233-063F-42B5-8137-9DF3F51BA10A}">
+      <p15:sldGuideLst xmlns:p15="http://schemas.microsoft.com/office/powerpoint/2012/main"/>
+    </p:ext>
+  </p:extLst>
 </p:presentation>
 </file>
 
@@ -2112,7 +2117,7 @@
           </a:ln>
           <a:extLst>
             <a:ext uri="{C572A759-6A51-4108-AA02-DFA0A04FC94B}">
-              <ma14:wrappingTextBoxFlag xmlns:ma14="http://schemas.microsoft.com/office/mac/drawingml/2011/main" xmlns:a14="http://schemas.microsoft.com/office/drawing/2010/main" xmlns:m="http://schemas.openxmlformats.org/officeDocument/2006/math" xmlns="" val="1"/>
+              <ma14:wrappingTextBoxFlag xmlns="" xmlns:m="http://schemas.openxmlformats.org/officeDocument/2006/math" xmlns:a14="http://schemas.microsoft.com/office/drawing/2010/main" xmlns:ma14="http://schemas.microsoft.com/office/mac/drawingml/2011/main" val="1"/>
             </a:ext>
           </a:extLst>
         </p:spPr>
@@ -2151,7 +2156,7 @@
           </a:ln>
           <a:extLst>
             <a:ext uri="{C572A759-6A51-4108-AA02-DFA0A04FC94B}">
-              <ma14:wrappingTextBoxFlag xmlns:ma14="http://schemas.microsoft.com/office/mac/drawingml/2011/main" xmlns:a14="http://schemas.microsoft.com/office/drawing/2010/main" xmlns:m="http://schemas.openxmlformats.org/officeDocument/2006/math" xmlns="" val="1"/>
+              <ma14:wrappingTextBoxFlag xmlns="" xmlns:m="http://schemas.openxmlformats.org/officeDocument/2006/math" xmlns:a14="http://schemas.microsoft.com/office/drawing/2010/main" xmlns:ma14="http://schemas.microsoft.com/office/mac/drawingml/2011/main" val="1"/>
             </a:ext>
           </a:extLst>
         </p:spPr>
@@ -3494,22 +3499,46 @@
           <a:lstStyle/>
           <a:p>
             <a:r>
+              <a:rPr dirty="0"/>
               <a:t>Katy, Texas</a:t>
             </a:r>
           </a:p>
           <a:p>
             <a:r>
-              <a:t>Math - </a:t>
-            </a:r>
-          </a:p>
-          <a:p>
-            <a:r>
-              <a:t>Also failing this class</a:t>
-            </a:r>
-          </a:p>
-          <a:p>
-            <a:br/>
-            <a:r>
+              <a:rPr dirty="0"/>
+              <a:t>Math </a:t>
+            </a:r>
+            <a:r>
+              <a:rPr lang="en-US" dirty="0"/>
+              <a:t>–</a:t>
+            </a:r>
+            <a:r>
+              <a:rPr dirty="0"/>
+              <a:t> </a:t>
+            </a:r>
+            <a:r>
+              <a:rPr lang="en-US" dirty="0"/>
+              <a:t>Enjoy trying to solve problems</a:t>
+            </a:r>
+            <a:endParaRPr dirty="0"/>
+          </a:p>
+          <a:p>
+            <a:r>
+              <a:rPr lang="en-US" dirty="0"/>
+              <a:t>I really love to go hunting</a:t>
+            </a:r>
+            <a:endParaRPr dirty="0"/>
+          </a:p>
+          <a:p>
+            <a:r>
+              <a:rPr lang="en-US" dirty="0"/>
+              <a:t>Platforms and player movement</a:t>
+            </a:r>
+            <a:br>
+              <a:rPr dirty="0"/>
+            </a:br>
+            <a:r>
+              <a:rPr dirty="0"/>
               <a:t> </a:t>
             </a:r>
           </a:p>

--- a/progressreport (3) (1).pptx
+++ b/progressreport (3) (1).pptx
@@ -2117,7 +2117,7 @@
           </a:ln>
           <a:extLst>
             <a:ext uri="{C572A759-6A51-4108-AA02-DFA0A04FC94B}">
-              <ma14:wrappingTextBoxFlag xmlns="" xmlns:m="http://schemas.openxmlformats.org/officeDocument/2006/math" xmlns:a14="http://schemas.microsoft.com/office/drawing/2010/main" xmlns:ma14="http://schemas.microsoft.com/office/mac/drawingml/2011/main" val="1"/>
+              <ma14:wrappingTextBoxFlag xmlns:ma14="http://schemas.microsoft.com/office/mac/drawingml/2011/main" xmlns:a14="http://schemas.microsoft.com/office/drawing/2010/main" xmlns:m="http://schemas.openxmlformats.org/officeDocument/2006/math" xmlns="" val="1"/>
             </a:ext>
           </a:extLst>
         </p:spPr>
@@ -2156,7 +2156,7 @@
           </a:ln>
           <a:extLst>
             <a:ext uri="{C572A759-6A51-4108-AA02-DFA0A04FC94B}">
-              <ma14:wrappingTextBoxFlag xmlns="" xmlns:m="http://schemas.openxmlformats.org/officeDocument/2006/math" xmlns:a14="http://schemas.microsoft.com/office/drawing/2010/main" xmlns:ma14="http://schemas.microsoft.com/office/mac/drawingml/2011/main" val="1"/>
+              <ma14:wrappingTextBoxFlag xmlns:ma14="http://schemas.microsoft.com/office/mac/drawingml/2011/main" xmlns:a14="http://schemas.microsoft.com/office/drawing/2010/main" xmlns:m="http://schemas.openxmlformats.org/officeDocument/2006/math" xmlns="" val="1"/>
             </a:ext>
           </a:extLst>
         </p:spPr>
@@ -3090,10 +3090,31 @@
               <a:defRPr sz="7968"/>
             </a:pPr>
             <a:r>
-              <a:t>Los Amigos</a:t>
-            </a:r>
-            <a:br/>
-            <a:endParaRPr/>
+              <a:rPr dirty="0">
+                <a:latin typeface="Atziluth" panose="00000506000000020003" pitchFamily="50" charset="0"/>
+              </a:rPr>
+              <a:t>Los </a:t>
+            </a:r>
+            <a:r>
+              <a:rPr b="1" dirty="0">
+                <a:latin typeface="Atziluth" panose="00000506000000020003" pitchFamily="50" charset="0"/>
+              </a:rPr>
+              <a:t>Amigos</a:t>
+            </a:r>
+            <a:r>
+              <a:rPr dirty="0">
+                <a:latin typeface="Atziluth" panose="00000506000000020003" pitchFamily="50" charset="0"/>
+              </a:rPr>
+              <a:t/>
+            </a:r>
+            <a:br>
+              <a:rPr dirty="0">
+                <a:latin typeface="Atziluth" panose="00000506000000020003" pitchFamily="50" charset="0"/>
+              </a:rPr>
+            </a:br>
+            <a:endParaRPr dirty="0">
+              <a:latin typeface="Atziluth" panose="00000506000000020003" pitchFamily="50" charset="0"/>
+            </a:endParaRPr>
           </a:p>
         </p:txBody>
       </p:sp>
@@ -3178,7 +3199,16 @@
           <a:lstStyle/>
           <a:p>
             <a:r>
-              <a:t>Areas of concern	</a:t>
+              <a:rPr dirty="0"/>
+              <a:t>Areas of </a:t>
+            </a:r>
+            <a:r>
+              <a:rPr b="1" dirty="0"/>
+              <a:t>concern</a:t>
+            </a:r>
+            <a:r>
+              <a:rPr dirty="0"/>
+              <a:t>	</a:t>
             </a:r>
           </a:p>
         </p:txBody>
@@ -3207,16 +3237,19 @@
           <a:lstStyle/>
           <a:p>
             <a:r>
+              <a:rPr dirty="0"/>
               <a:t>Time</a:t>
             </a:r>
           </a:p>
           <a:p>
             <a:r>
+              <a:rPr dirty="0"/>
               <a:t>How to make Mario collide with platforms</a:t>
             </a:r>
           </a:p>
           <a:p>
             <a:r>
+              <a:rPr dirty="0"/>
               <a:t>How to set actions to occur for a specific amount of time</a:t>
             </a:r>
           </a:p>
@@ -3272,7 +3305,12 @@
           <a:lstStyle/>
           <a:p>
             <a:r>
-              <a:t>Stephanie Andrew</a:t>
+              <a:rPr dirty="0"/>
+              <a:t>Stephanie </a:t>
+            </a:r>
+            <a:r>
+              <a:rPr b="1" dirty="0"/>
+              <a:t>Andrew</a:t>
             </a:r>
           </a:p>
         </p:txBody>
@@ -3371,7 +3409,12 @@
           <a:lstStyle/>
           <a:p>
             <a:r>
-              <a:t>Antoine McAbee</a:t>
+              <a:rPr dirty="0"/>
+              <a:t>Antoine </a:t>
+            </a:r>
+            <a:r>
+              <a:rPr b="1" dirty="0"/>
+              <a:t>McAbee</a:t>
             </a:r>
           </a:p>
         </p:txBody>
@@ -3400,21 +3443,26 @@
           <a:lstStyle/>
           <a:p>
             <a:r>
+              <a:rPr dirty="0"/>
               <a:t>Overland Park, KS</a:t>
             </a:r>
           </a:p>
           <a:p>
             <a:r>
+              <a:rPr dirty="0"/>
               <a:t>Computer Science – I love technology</a:t>
             </a:r>
           </a:p>
           <a:p>
             <a:r>
-              <a:t>Failing this class</a:t>
-            </a:r>
-          </a:p>
-          <a:p>
-            <a:r>
+              <a:rPr lang="en-US" dirty="0" smtClean="0"/>
+              <a:t>I own a Christian Apparel business – Refine Apparel</a:t>
+            </a:r>
+            <a:endParaRPr dirty="0"/>
+          </a:p>
+          <a:p>
+            <a:r>
+              <a:rPr dirty="0"/>
               <a:t>Working on soundtracks and turtles</a:t>
             </a:r>
           </a:p>
@@ -3470,8 +3518,14 @@
           <a:lstStyle/>
           <a:p>
             <a:r>
-              <a:t>Josh Fitts</a:t>
-            </a:r>
+              <a:rPr dirty="0"/>
+              <a:t>Josh </a:t>
+            </a:r>
+            <a:r>
+              <a:rPr b="1" dirty="0" err="1"/>
+              <a:t>Fitts</a:t>
+            </a:r>
+            <a:endParaRPr b="1" dirty="0"/>
           </a:p>
         </p:txBody>
       </p:sp>
@@ -3533,6 +3587,10 @@
             <a:r>
               <a:rPr lang="en-US" dirty="0"/>
               <a:t>Platforms and player movement</a:t>
+            </a:r>
+            <a:r>
+              <a:rPr dirty="0"/>
+              <a:t/>
             </a:r>
             <a:br>
               <a:rPr dirty="0"/>
@@ -3594,7 +3652,12 @@
           <a:lstStyle/>
           <a:p>
             <a:r>
-              <a:t>Rex Bryant</a:t>
+              <a:rPr dirty="0"/>
+              <a:t>Rex </a:t>
+            </a:r>
+            <a:r>
+              <a:rPr b="1" dirty="0"/>
+              <a:t>Bryant</a:t>
             </a:r>
           </a:p>
         </p:txBody>
@@ -3709,7 +3772,16 @@
           <a:lstStyle/>
           <a:p>
             <a:r>
-              <a:t>Jaik Davidson</a:t>
+              <a:rPr dirty="0" err="1"/>
+              <a:t>Jaik</a:t>
+            </a:r>
+            <a:r>
+              <a:rPr dirty="0"/>
+              <a:t> </a:t>
+            </a:r>
+            <a:r>
+              <a:rPr b="1" dirty="0"/>
+              <a:t>Davidson</a:t>
             </a:r>
           </a:p>
         </p:txBody>
@@ -3765,6 +3837,10 @@
             <a:r>
               <a:rPr lang="en-US"/>
               <a:t> </a:t>
+            </a:r>
+            <a:r>
+              <a:rPr dirty="0"/>
+              <a:t/>
             </a:r>
             <a:br>
               <a:rPr dirty="0"/>
@@ -3826,8 +3902,18 @@
           <a:lstStyle/>
           <a:p>
             <a:r>
+              <a:rPr dirty="0" smtClean="0"/>
               <a:t>Progress</a:t>
             </a:r>
+            <a:r>
+              <a:rPr lang="en-US" dirty="0" smtClean="0"/>
+              <a:t> </a:t>
+            </a:r>
+            <a:r>
+              <a:rPr lang="en-US" b="1" dirty="0" smtClean="0"/>
+              <a:t>Report</a:t>
+            </a:r>
+            <a:endParaRPr b="1" dirty="0"/>
           </a:p>
         </p:txBody>
       </p:sp>
@@ -3855,18 +3941,33 @@
           <a:lstStyle/>
           <a:p>
             <a:r>
+              <a:rPr dirty="0"/>
               <a:t>Planned everything out</a:t>
             </a:r>
           </a:p>
           <a:p>
             <a:r>
+              <a:rPr dirty="0"/>
               <a:t>Created platforms</a:t>
             </a:r>
           </a:p>
           <a:p>
             <a:r>
-              <a:t>Got the character to move</a:t>
-            </a:r>
+              <a:rPr dirty="0"/>
+              <a:t>Got the character to </a:t>
+            </a:r>
+            <a:r>
+              <a:rPr dirty="0" smtClean="0"/>
+              <a:t>move</a:t>
+            </a:r>
+            <a:endParaRPr lang="en-US" dirty="0" smtClean="0"/>
+          </a:p>
+          <a:p>
+            <a:r>
+              <a:rPr lang="en-US" dirty="0" smtClean="0"/>
+              <a:t>Changing screen colors</a:t>
+            </a:r>
+            <a:endParaRPr dirty="0"/>
           </a:p>
         </p:txBody>
       </p:sp>
@@ -3920,7 +4021,12 @@
           <a:lstStyle/>
           <a:p>
             <a:r>
-              <a:t>Tutorials completed</a:t>
+              <a:rPr dirty="0"/>
+              <a:t>Tutorials </a:t>
+            </a:r>
+            <a:r>
+              <a:rPr b="1" dirty="0"/>
+              <a:t>completed</a:t>
             </a:r>
           </a:p>
         </p:txBody>
@@ -4004,7 +4110,12 @@
           <a:lstStyle/>
           <a:p>
             <a:r>
-              <a:t>Design of project</a:t>
+              <a:rPr dirty="0"/>
+              <a:t>Design of </a:t>
+            </a:r>
+            <a:r>
+              <a:rPr b="1" dirty="0"/>
+              <a:t>project</a:t>
             </a:r>
           </a:p>
         </p:txBody>
@@ -4033,7 +4144,27 @@
           <a:lstStyle/>
           <a:p>
             <a:r>
-              <a:t>The most basic the game can be </a:t>
+              <a:rPr lang="en-US" dirty="0" smtClean="0"/>
+              <a:t>Starting off as basic as possible</a:t>
+            </a:r>
+            <a:endParaRPr lang="en-US" dirty="0"/>
+          </a:p>
+          <a:p>
+            <a:r>
+              <a:rPr lang="en-US" dirty="0" smtClean="0"/>
+              <a:t>Moving towards nailing collision</a:t>
+            </a:r>
+          </a:p>
+          <a:p>
+            <a:r>
+              <a:rPr lang="en-US" dirty="0" smtClean="0"/>
+              <a:t>Figuring out jumping </a:t>
+            </a:r>
+          </a:p>
+          <a:p>
+            <a:r>
+              <a:rPr lang="en-US" dirty="0" smtClean="0"/>
+              <a:t>Focusing on details</a:t>
             </a:r>
           </a:p>
         </p:txBody>
